--- a/docs/media/20211120-vscode-bicep.pptx
+++ b/docs/media/20211120-vscode-bicep.pptx
@@ -3625,201 +3625,263 @@
           <a:chExt cx="0" cy="0"/>
         </a:xfrm>
       </p:grpSpPr>
-      <p:pic>
-        <p:nvPicPr>
-          <p:cNvPr id="6" name="グラフィックス 5">
-            <a:extLst>
-              <a:ext uri="{FF2B5EF4-FFF2-40B4-BE49-F238E27FC236}">
-                <a16:creationId xmlns:a16="http://schemas.microsoft.com/office/drawing/2014/main" id="{3BC0A8A8-84CD-45ED-91A5-B3FD552F2686}"/>
-              </a:ext>
-            </a:extLst>
-          </p:cNvPr>
-          <p:cNvPicPr>
-            <a:picLocks noChangeAspect="1"/>
-          </p:cNvPicPr>
+      <p:grpSp>
+        <p:nvGrpSpPr>
+          <p:cNvPr id="17" name="グループ化 16">
+            <a:extLst>
+              <a:ext uri="{FF2B5EF4-FFF2-40B4-BE49-F238E27FC236}">
+                <a16:creationId xmlns:a16="http://schemas.microsoft.com/office/drawing/2014/main" id="{810B6042-28F2-4B3E-A9D6-831C7451E89F}"/>
+              </a:ext>
+            </a:extLst>
+          </p:cNvPr>
+          <p:cNvGrpSpPr>
+            <a:grpSpLocks noChangeAspect="1"/>
+          </p:cNvGrpSpPr>
           <p:nvPr/>
-        </p:nvPicPr>
-        <p:blipFill>
-          <a:blip r:embed="rId2">
-            <a:extLst>
-              <a:ext uri="{28A0092B-C50C-407E-A947-70E740481C1C}">
-                <a14:useLocalDpi xmlns:a14="http://schemas.microsoft.com/office/drawing/2010/main" val="0"/>
-              </a:ext>
-              <a:ext uri="{96DAC541-7B7A-43D3-8B79-37D633B846F1}">
-                <asvg:svgBlip xmlns:asvg="http://schemas.microsoft.com/office/drawing/2016/SVG/main" r:embed="rId3"/>
-              </a:ext>
-            </a:extLst>
-          </a:blip>
-          <a:stretch>
-            <a:fillRect/>
-          </a:stretch>
-        </p:blipFill>
-        <p:spPr>
+        </p:nvGrpSpPr>
+        <p:grpSpPr>
           <a:xfrm>
-            <a:off x="1252669" y="1502051"/>
-            <a:ext cx="720000" cy="720000"/>
+            <a:off x="1107713" y="385028"/>
+            <a:ext cx="3678474" cy="5760000"/>
+            <a:chOff x="1603015" y="1042254"/>
+            <a:chExt cx="1816813" cy="2844887"/>
           </a:xfrm>
-          <a:prstGeom prst="rect">
-            <a:avLst/>
-          </a:prstGeom>
-        </p:spPr>
-      </p:pic>
-      <p:pic>
-        <p:nvPicPr>
-          <p:cNvPr id="8" name="グラフィックス 7">
-            <a:extLst>
-              <a:ext uri="{FF2B5EF4-FFF2-40B4-BE49-F238E27FC236}">
-                <a16:creationId xmlns:a16="http://schemas.microsoft.com/office/drawing/2014/main" id="{260615F4-F958-4337-A143-F7C2C9DB3F04}"/>
-              </a:ext>
-            </a:extLst>
-          </p:cNvPr>
-          <p:cNvPicPr>
-            <a:picLocks noChangeAspect="1"/>
-          </p:cNvPicPr>
-          <p:nvPr/>
-        </p:nvPicPr>
-        <p:blipFill>
-          <a:blip r:embed="rId4">
-            <a:extLst>
-              <a:ext uri="{28A0092B-C50C-407E-A947-70E740481C1C}">
-                <a14:useLocalDpi xmlns:a14="http://schemas.microsoft.com/office/drawing/2010/main" val="0"/>
-              </a:ext>
-              <a:ext uri="{96DAC541-7B7A-43D3-8B79-37D633B846F1}">
-                <asvg:svgBlip xmlns:asvg="http://schemas.microsoft.com/office/drawing/2016/SVG/main" r:embed="rId5"/>
-              </a:ext>
-            </a:extLst>
-          </a:blip>
-          <a:stretch>
-            <a:fillRect/>
-          </a:stretch>
-        </p:blipFill>
-        <p:spPr>
-          <a:xfrm>
-            <a:off x="2480494" y="1914967"/>
-            <a:ext cx="720000" cy="720000"/>
-          </a:xfrm>
-          <a:prstGeom prst="rect">
-            <a:avLst/>
-          </a:prstGeom>
-        </p:spPr>
-      </p:pic>
-      <p:pic>
-        <p:nvPicPr>
-          <p:cNvPr id="10" name="グラフィックス 9">
-            <a:extLst>
-              <a:ext uri="{FF2B5EF4-FFF2-40B4-BE49-F238E27FC236}">
-                <a16:creationId xmlns:a16="http://schemas.microsoft.com/office/drawing/2014/main" id="{9830D763-02BD-48F0-8FA7-BF98A60DA1D9}"/>
-              </a:ext>
-            </a:extLst>
-          </p:cNvPr>
-          <p:cNvPicPr>
-            <a:picLocks noChangeAspect="1"/>
-          </p:cNvPicPr>
-          <p:nvPr/>
-        </p:nvPicPr>
-        <p:blipFill>
-          <a:blip r:embed="rId6">
-            <a:extLst>
-              <a:ext uri="{28A0092B-C50C-407E-A947-70E740481C1C}">
-                <a14:useLocalDpi xmlns:a14="http://schemas.microsoft.com/office/drawing/2010/main" val="0"/>
-              </a:ext>
-              <a:ext uri="{96DAC541-7B7A-43D3-8B79-37D633B846F1}">
-                <asvg:svgBlip xmlns:asvg="http://schemas.microsoft.com/office/drawing/2016/SVG/main" r:embed="rId7"/>
-              </a:ext>
-            </a:extLst>
-          </a:blip>
-          <a:stretch>
-            <a:fillRect/>
-          </a:stretch>
-        </p:blipFill>
-        <p:spPr>
-          <a:xfrm>
-            <a:off x="1252669" y="2517366"/>
-            <a:ext cx="720000" cy="720000"/>
-          </a:xfrm>
-          <a:prstGeom prst="rect">
-            <a:avLst/>
-          </a:prstGeom>
-        </p:spPr>
-      </p:pic>
-      <p:pic>
-        <p:nvPicPr>
-          <p:cNvPr id="12" name="グラフィックス 11">
-            <a:extLst>
-              <a:ext uri="{FF2B5EF4-FFF2-40B4-BE49-F238E27FC236}">
-                <a16:creationId xmlns:a16="http://schemas.microsoft.com/office/drawing/2014/main" id="{36137759-7C0A-4E5F-9C33-BCCA2D74E267}"/>
-              </a:ext>
-            </a:extLst>
-          </p:cNvPr>
-          <p:cNvPicPr>
-            <a:picLocks noChangeAspect="1"/>
-          </p:cNvPicPr>
-          <p:nvPr/>
-        </p:nvPicPr>
-        <p:blipFill>
-          <a:blip r:embed="rId8">
-            <a:extLst>
-              <a:ext uri="{28A0092B-C50C-407E-A947-70E740481C1C}">
-                <a14:useLocalDpi xmlns:a14="http://schemas.microsoft.com/office/drawing/2010/main" val="0"/>
-              </a:ext>
-              <a:ext uri="{96DAC541-7B7A-43D3-8B79-37D633B846F1}">
-                <asvg:svgBlip xmlns:asvg="http://schemas.microsoft.com/office/drawing/2016/SVG/main" r:embed="rId9"/>
-              </a:ext>
-            </a:extLst>
-          </a:blip>
-          <a:stretch>
-            <a:fillRect/>
-          </a:stretch>
-        </p:blipFill>
-        <p:spPr>
-          <a:xfrm>
-            <a:off x="2237961" y="2877366"/>
-            <a:ext cx="720000" cy="720000"/>
-          </a:xfrm>
-          <a:prstGeom prst="rect">
-            <a:avLst/>
-          </a:prstGeom>
-        </p:spPr>
-      </p:pic>
-      <p:pic>
-        <p:nvPicPr>
-          <p:cNvPr id="14" name="グラフィックス 13">
-            <a:extLst>
-              <a:ext uri="{FF2B5EF4-FFF2-40B4-BE49-F238E27FC236}">
-                <a16:creationId xmlns:a16="http://schemas.microsoft.com/office/drawing/2014/main" id="{561F60C4-4410-4CC9-8761-3BEF882F9B84}"/>
-              </a:ext>
-            </a:extLst>
-          </p:cNvPr>
-          <p:cNvPicPr>
-            <a:picLocks noChangeAspect="1"/>
-          </p:cNvPicPr>
-          <p:nvPr/>
-        </p:nvPicPr>
-        <p:blipFill>
-          <a:blip r:embed="rId10">
-            <a:extLst>
-              <a:ext uri="{28A0092B-C50C-407E-A947-70E740481C1C}">
-                <a14:useLocalDpi xmlns:a14="http://schemas.microsoft.com/office/drawing/2010/main" val="0"/>
-              </a:ext>
-              <a:ext uri="{96DAC541-7B7A-43D3-8B79-37D633B846F1}">
-                <asvg:svgBlip xmlns:asvg="http://schemas.microsoft.com/office/drawing/2016/SVG/main" r:embed="rId11"/>
-              </a:ext>
-            </a:extLst>
-          </a:blip>
-          <a:stretch>
-            <a:fillRect/>
-          </a:stretch>
-        </p:blipFill>
-        <p:spPr>
-          <a:xfrm>
-            <a:off x="2237961" y="782051"/>
-            <a:ext cx="720000" cy="720000"/>
-          </a:xfrm>
-          <a:prstGeom prst="rect">
-            <a:avLst/>
-          </a:prstGeom>
-        </p:spPr>
-      </p:pic>
+        </p:grpSpPr>
+        <p:pic>
+          <p:nvPicPr>
+            <p:cNvPr id="6" name="グラフィックス 5">
+              <a:extLst>
+                <a:ext uri="{FF2B5EF4-FFF2-40B4-BE49-F238E27FC236}">
+                  <a16:creationId xmlns:a16="http://schemas.microsoft.com/office/drawing/2014/main" id="{3BC0A8A8-84CD-45ED-91A5-B3FD552F2686}"/>
+                </a:ext>
+              </a:extLst>
+            </p:cNvPr>
+            <p:cNvPicPr>
+              <a:picLocks noChangeAspect="1"/>
+            </p:cNvPicPr>
+            <p:nvPr/>
+          </p:nvPicPr>
+          <p:blipFill>
+            <a:blip r:embed="rId2">
+              <a:extLst>
+                <a:ext uri="{28A0092B-C50C-407E-A947-70E740481C1C}">
+                  <a14:useLocalDpi xmlns:a14="http://schemas.microsoft.com/office/drawing/2010/main" val="0"/>
+                </a:ext>
+                <a:ext uri="{96DAC541-7B7A-43D3-8B79-37D633B846F1}">
+                  <asvg:svgBlip xmlns:asvg="http://schemas.microsoft.com/office/drawing/2016/SVG/main" r:embed="rId3"/>
+                </a:ext>
+              </a:extLst>
+            </a:blip>
+            <a:stretch>
+              <a:fillRect/>
+            </a:stretch>
+          </p:blipFill>
+          <p:spPr>
+            <a:xfrm>
+              <a:off x="1603015" y="1797366"/>
+              <a:ext cx="720000" cy="720000"/>
+            </a:xfrm>
+            <a:prstGeom prst="rect">
+              <a:avLst/>
+            </a:prstGeom>
+          </p:spPr>
+        </p:pic>
+        <p:pic>
+          <p:nvPicPr>
+            <p:cNvPr id="8" name="グラフィックス 7">
+              <a:extLst>
+                <a:ext uri="{FF2B5EF4-FFF2-40B4-BE49-F238E27FC236}">
+                  <a16:creationId xmlns:a16="http://schemas.microsoft.com/office/drawing/2014/main" id="{260615F4-F958-4337-A143-F7C2C9DB3F04}"/>
+                </a:ext>
+              </a:extLst>
+            </p:cNvPr>
+            <p:cNvPicPr>
+              <a:picLocks noChangeAspect="1"/>
+            </p:cNvPicPr>
+            <p:nvPr/>
+          </p:nvPicPr>
+          <p:blipFill>
+            <a:blip r:embed="rId4">
+              <a:extLst>
+                <a:ext uri="{28A0092B-C50C-407E-A947-70E740481C1C}">
+                  <a14:useLocalDpi xmlns:a14="http://schemas.microsoft.com/office/drawing/2010/main" val="0"/>
+                </a:ext>
+                <a:ext uri="{96DAC541-7B7A-43D3-8B79-37D633B846F1}">
+                  <asvg:svgBlip xmlns:asvg="http://schemas.microsoft.com/office/drawing/2016/SVG/main" r:embed="rId5"/>
+                </a:ext>
+              </a:extLst>
+            </a:blip>
+            <a:stretch>
+              <a:fillRect/>
+            </a:stretch>
+          </p:blipFill>
+          <p:spPr>
+            <a:xfrm>
+              <a:off x="2417614" y="1727141"/>
+              <a:ext cx="720000" cy="720000"/>
+            </a:xfrm>
+            <a:prstGeom prst="rect">
+              <a:avLst/>
+            </a:prstGeom>
+          </p:spPr>
+        </p:pic>
+        <p:pic>
+          <p:nvPicPr>
+            <p:cNvPr id="10" name="グラフィックス 9">
+              <a:extLst>
+                <a:ext uri="{FF2B5EF4-FFF2-40B4-BE49-F238E27FC236}">
+                  <a16:creationId xmlns:a16="http://schemas.microsoft.com/office/drawing/2014/main" id="{9830D763-02BD-48F0-8FA7-BF98A60DA1D9}"/>
+                </a:ext>
+              </a:extLst>
+            </p:cNvPr>
+            <p:cNvPicPr>
+              <a:picLocks noChangeAspect="1"/>
+            </p:cNvPicPr>
+            <p:nvPr/>
+          </p:nvPicPr>
+          <p:blipFill>
+            <a:blip r:embed="rId6">
+              <a:extLst>
+                <a:ext uri="{28A0092B-C50C-407E-A947-70E740481C1C}">
+                  <a14:useLocalDpi xmlns:a14="http://schemas.microsoft.com/office/drawing/2010/main" val="0"/>
+                </a:ext>
+                <a:ext uri="{96DAC541-7B7A-43D3-8B79-37D633B846F1}">
+                  <asvg:svgBlip xmlns:asvg="http://schemas.microsoft.com/office/drawing/2016/SVG/main" r:embed="rId7"/>
+                </a:ext>
+              </a:extLst>
+            </a:blip>
+            <a:stretch>
+              <a:fillRect/>
+            </a:stretch>
+          </p:blipFill>
+          <p:spPr>
+            <a:xfrm>
+              <a:off x="1873134" y="2447141"/>
+              <a:ext cx="720000" cy="720000"/>
+            </a:xfrm>
+            <a:prstGeom prst="rect">
+              <a:avLst/>
+            </a:prstGeom>
+          </p:spPr>
+        </p:pic>
+        <p:pic>
+          <p:nvPicPr>
+            <p:cNvPr id="12" name="グラフィックス 11">
+              <a:extLst>
+                <a:ext uri="{FF2B5EF4-FFF2-40B4-BE49-F238E27FC236}">
+                  <a16:creationId xmlns:a16="http://schemas.microsoft.com/office/drawing/2014/main" id="{36137759-7C0A-4E5F-9C33-BCCA2D74E267}"/>
+                </a:ext>
+              </a:extLst>
+            </p:cNvPr>
+            <p:cNvPicPr>
+              <a:picLocks noChangeAspect="1"/>
+            </p:cNvPicPr>
+            <p:nvPr/>
+          </p:nvPicPr>
+          <p:blipFill>
+            <a:blip r:embed="rId8">
+              <a:extLst>
+                <a:ext uri="{28A0092B-C50C-407E-A947-70E740481C1C}">
+                  <a14:useLocalDpi xmlns:a14="http://schemas.microsoft.com/office/drawing/2010/main" val="0"/>
+                </a:ext>
+                <a:ext uri="{96DAC541-7B7A-43D3-8B79-37D633B846F1}">
+                  <asvg:svgBlip xmlns:asvg="http://schemas.microsoft.com/office/drawing/2016/SVG/main" r:embed="rId9"/>
+                </a:ext>
+              </a:extLst>
+            </a:blip>
+            <a:stretch>
+              <a:fillRect/>
+            </a:stretch>
+          </p:blipFill>
+          <p:spPr>
+            <a:xfrm>
+              <a:off x="2237961" y="3167141"/>
+              <a:ext cx="720000" cy="720000"/>
+            </a:xfrm>
+            <a:prstGeom prst="rect">
+              <a:avLst/>
+            </a:prstGeom>
+          </p:spPr>
+        </p:pic>
+        <p:pic>
+          <p:nvPicPr>
+            <p:cNvPr id="14" name="グラフィックス 13">
+              <a:extLst>
+                <a:ext uri="{FF2B5EF4-FFF2-40B4-BE49-F238E27FC236}">
+                  <a16:creationId xmlns:a16="http://schemas.microsoft.com/office/drawing/2014/main" id="{561F60C4-4410-4CC9-8761-3BEF882F9B84}"/>
+                </a:ext>
+              </a:extLst>
+            </p:cNvPr>
+            <p:cNvPicPr>
+              <a:picLocks noChangeAspect="1"/>
+            </p:cNvPicPr>
+            <p:nvPr/>
+          </p:nvPicPr>
+          <p:blipFill>
+            <a:blip r:embed="rId10">
+              <a:extLst>
+                <a:ext uri="{28A0092B-C50C-407E-A947-70E740481C1C}">
+                  <a14:useLocalDpi xmlns:a14="http://schemas.microsoft.com/office/drawing/2010/main" val="0"/>
+                </a:ext>
+                <a:ext uri="{96DAC541-7B7A-43D3-8B79-37D633B846F1}">
+                  <asvg:svgBlip xmlns:asvg="http://schemas.microsoft.com/office/drawing/2016/SVG/main" r:embed="rId11"/>
+                </a:ext>
+              </a:extLst>
+            </a:blip>
+            <a:stretch>
+              <a:fillRect/>
+            </a:stretch>
+          </p:blipFill>
+          <p:spPr>
+            <a:xfrm>
+              <a:off x="2040801" y="1042254"/>
+              <a:ext cx="720000" cy="720000"/>
+            </a:xfrm>
+            <a:prstGeom prst="rect">
+              <a:avLst/>
+            </a:prstGeom>
+          </p:spPr>
+        </p:pic>
+        <p:pic>
+          <p:nvPicPr>
+            <p:cNvPr id="16" name="グラフィックス 15">
+              <a:extLst>
+                <a:ext uri="{FF2B5EF4-FFF2-40B4-BE49-F238E27FC236}">
+                  <a16:creationId xmlns:a16="http://schemas.microsoft.com/office/drawing/2014/main" id="{113C33A2-9D2D-4835-AE01-D271D1F0F18B}"/>
+                </a:ext>
+              </a:extLst>
+            </p:cNvPr>
+            <p:cNvPicPr>
+              <a:picLocks noChangeAspect="1"/>
+            </p:cNvPicPr>
+            <p:nvPr/>
+          </p:nvPicPr>
+          <p:blipFill>
+            <a:blip r:embed="rId12">
+              <a:extLst>
+                <a:ext uri="{28A0092B-C50C-407E-A947-70E740481C1C}">
+                  <a14:useLocalDpi xmlns:a14="http://schemas.microsoft.com/office/drawing/2010/main" val="0"/>
+                </a:ext>
+                <a:ext uri="{96DAC541-7B7A-43D3-8B79-37D633B846F1}">
+                  <asvg:svgBlip xmlns:asvg="http://schemas.microsoft.com/office/drawing/2016/SVG/main" r:embed="rId13"/>
+                </a:ext>
+              </a:extLst>
+            </a:blip>
+            <a:stretch>
+              <a:fillRect/>
+            </a:stretch>
+          </p:blipFill>
+          <p:spPr>
+            <a:xfrm>
+              <a:off x="2699828" y="2360579"/>
+              <a:ext cx="720000" cy="720000"/>
+            </a:xfrm>
+            <a:prstGeom prst="rect">
+              <a:avLst/>
+            </a:prstGeom>
+          </p:spPr>
+        </p:pic>
+      </p:grpSp>
     </p:spTree>
     <p:extLst>
       <p:ext uri="{BB962C8B-B14F-4D97-AF65-F5344CB8AC3E}">
